--- a/Grobkonzept_ppfolien.pptx
+++ b/Grobkonzept_ppfolien.pptx
@@ -2457,7 +2457,7 @@
         <p:spPr>
           <a:xfrm>
             <a:off x="1270000" y="5029200"/>
-            <a:ext cx="10464800" cy="3302000"/>
+            <a:ext cx="10464800" cy="4439736"/>
           </a:xfrm>
           <a:prstGeom prst="rect">
             <a:avLst/>
@@ -2467,123 +2467,159 @@
           <a:bodyPr/>
           <a:lstStyle/>
           <a:p>
-            <a:pPr lvl="0" defTabSz="554990">
-              <a:defRPr sz="1800">
-                <a:solidFill>
-                  <a:srgbClr val="000000"/>
-                </a:solidFill>
-              </a:defRPr>
-            </a:pPr>
-            <a:endParaRPr sz="3040">
+            <a:pPr lvl="0">
+              <a:defRPr sz="1800">
+                <a:solidFill>
+                  <a:srgbClr val="000000"/>
+                </a:solidFill>
+              </a:defRPr>
+            </a:pPr>
+            <a:endParaRPr sz="3200">
               <a:solidFill>
                 <a:srgbClr val="FFFFFF"/>
               </a:solidFill>
             </a:endParaRPr>
           </a:p>
           <a:p>
-            <a:pPr lvl="0" defTabSz="554990">
-              <a:defRPr sz="1800">
-                <a:solidFill>
-                  <a:srgbClr val="000000"/>
-                </a:solidFill>
-              </a:defRPr>
-            </a:pPr>
-            <a:r>
-              <a:rPr sz="3040">
-                <a:solidFill>
-                  <a:srgbClr val="FFFFFF"/>
-                </a:solidFill>
-              </a:rPr>
-              <a:t>präsentiert von Team 32</a:t>
-            </a:r>
-            <a:endParaRPr sz="3040">
+            <a:pPr lvl="0">
+              <a:defRPr sz="1800">
+                <a:solidFill>
+                  <a:srgbClr val="000000"/>
+                </a:solidFill>
+              </a:defRPr>
+            </a:pPr>
+            <a:r>
+              <a:rPr sz="3200">
+                <a:solidFill>
+                  <a:srgbClr val="FFFFFF"/>
+                </a:solidFill>
+              </a:rPr>
+              <a:t>präsentiert von Team 32:</a:t>
+            </a:r>
+            <a:endParaRPr sz="3200">
               <a:solidFill>
                 <a:srgbClr val="FFFFFF"/>
               </a:solidFill>
             </a:endParaRPr>
           </a:p>
           <a:p>
-            <a:pPr lvl="0" defTabSz="554990">
-              <a:defRPr sz="1800">
-                <a:solidFill>
-                  <a:srgbClr val="000000"/>
-                </a:solidFill>
-              </a:defRPr>
-            </a:pPr>
-            <a:endParaRPr sz="3040">
+            <a:pPr lvl="0">
+              <a:defRPr sz="1800">
+                <a:solidFill>
+                  <a:srgbClr val="000000"/>
+                </a:solidFill>
+              </a:defRPr>
+            </a:pPr>
+            <a:endParaRPr sz="3200">
               <a:solidFill>
                 <a:srgbClr val="FFFFFF"/>
               </a:solidFill>
             </a:endParaRPr>
           </a:p>
           <a:p>
-            <a:pPr lvl="0" defTabSz="554990">
-              <a:defRPr sz="1800">
-                <a:solidFill>
-                  <a:srgbClr val="000000"/>
-                </a:solidFill>
-              </a:defRPr>
-            </a:pPr>
-            <a:r>
-              <a:rPr sz="3040">
-                <a:solidFill>
-                  <a:srgbClr val="FFFFFF"/>
-                </a:solidFill>
-              </a:rPr>
-              <a:t>im Rahmen der Veranstaltung</a:t>
-            </a:r>
-            <a:endParaRPr sz="3040">
+            <a:pPr lvl="0">
+              <a:defRPr sz="1800">
+                <a:solidFill>
+                  <a:srgbClr val="000000"/>
+                </a:solidFill>
+              </a:defRPr>
+            </a:pPr>
+            <a:r>
+              <a:rPr sz="3200">
+                <a:solidFill>
+                  <a:srgbClr val="FFFFFF"/>
+                </a:solidFill>
+              </a:rPr>
+              <a:t>Vanakh Chea, Luca Zeitzen, Arthur Kremsier</a:t>
+            </a:r>
+            <a:endParaRPr sz="3200">
               <a:solidFill>
                 <a:srgbClr val="FFFFFF"/>
               </a:solidFill>
             </a:endParaRPr>
           </a:p>
           <a:p>
-            <a:pPr lvl="0" defTabSz="554990">
-              <a:defRPr sz="1800">
-                <a:solidFill>
-                  <a:srgbClr val="000000"/>
-                </a:solidFill>
-              </a:defRPr>
-            </a:pPr>
-            <a:r>
-              <a:rPr sz="3040">
-                <a:solidFill>
-                  <a:srgbClr val="FFFFFF"/>
-                </a:solidFill>
-              </a:rPr>
-              <a:t>Webbasierte Anwendungen II</a:t>
-            </a:r>
-            <a:endParaRPr sz="3040">
+            <a:pPr lvl="0">
+              <a:defRPr sz="1800">
+                <a:solidFill>
+                  <a:srgbClr val="000000"/>
+                </a:solidFill>
+              </a:defRPr>
+            </a:pPr>
+            <a:endParaRPr sz="3200">
               <a:solidFill>
                 <a:srgbClr val="FFFFFF"/>
               </a:solidFill>
             </a:endParaRPr>
           </a:p>
           <a:p>
-            <a:pPr lvl="0" defTabSz="554990">
-              <a:defRPr sz="1800">
-                <a:solidFill>
-                  <a:srgbClr val="000000"/>
-                </a:solidFill>
-              </a:defRPr>
-            </a:pPr>
-            <a:endParaRPr sz="3040">
+            <a:pPr lvl="0">
+              <a:defRPr sz="1800">
+                <a:solidFill>
+                  <a:srgbClr val="000000"/>
+                </a:solidFill>
+              </a:defRPr>
+            </a:pPr>
+            <a:r>
+              <a:rPr sz="3200">
+                <a:solidFill>
+                  <a:srgbClr val="FFFFFF"/>
+                </a:solidFill>
+              </a:rPr>
+              <a:t>im Rahmen der Veranstaltung</a:t>
+            </a:r>
+            <a:endParaRPr sz="3200">
               <a:solidFill>
                 <a:srgbClr val="FFFFFF"/>
               </a:solidFill>
             </a:endParaRPr>
           </a:p>
           <a:p>
-            <a:pPr lvl="0" defTabSz="554990">
-              <a:defRPr sz="1800">
-                <a:solidFill>
-                  <a:srgbClr val="000000"/>
-                </a:solidFill>
-              </a:defRPr>
-            </a:pPr>
-            <a:r>
-              <a:rPr sz="3040">
+            <a:pPr lvl="0">
+              <a:defRPr sz="1800">
+                <a:solidFill>
+                  <a:srgbClr val="000000"/>
+                </a:solidFill>
+              </a:defRPr>
+            </a:pPr>
+            <a:r>
+              <a:rPr sz="3200">
+                <a:solidFill>
+                  <a:srgbClr val="FFFFFF"/>
+                </a:solidFill>
+              </a:rPr>
+              <a:t>Webbasierte Anwendungen II</a:t>
+            </a:r>
+            <a:endParaRPr sz="3200">
+              <a:solidFill>
+                <a:srgbClr val="FFFFFF"/>
+              </a:solidFill>
+            </a:endParaRPr>
+          </a:p>
+          <a:p>
+            <a:pPr lvl="0">
+              <a:defRPr sz="1800">
+                <a:solidFill>
+                  <a:srgbClr val="000000"/>
+                </a:solidFill>
+              </a:defRPr>
+            </a:pPr>
+            <a:endParaRPr sz="3200">
+              <a:solidFill>
+                <a:srgbClr val="FFFFFF"/>
+              </a:solidFill>
+            </a:endParaRPr>
+          </a:p>
+          <a:p>
+            <a:pPr lvl="0">
+              <a:defRPr sz="1800">
+                <a:solidFill>
+                  <a:srgbClr val="000000"/>
+                </a:solidFill>
+              </a:defRPr>
+            </a:pPr>
+            <a:r>
+              <a:rPr sz="3200">
                 <a:solidFill>
                   <a:srgbClr val="FFFFFF"/>
                 </a:solidFill>
@@ -2794,27 +2830,33 @@
           </a:p>
         </p:txBody>
       </p:sp>
-      <p:sp>
-        <p:nvSpPr>
-          <p:cNvPr id="39" name="Shape 39"/>
-          <p:cNvSpPr/>
-          <p:nvPr>
-            <p:ph type="body" idx="1"/>
-          </p:nvPr>
-        </p:nvSpPr>
+      <p:pic>
+        <p:nvPicPr>
+          <p:cNvPr id="39" name="Systemarchitektur (3).png"/>
+          <p:cNvPicPr/>
+          <p:nvPr/>
+        </p:nvPicPr>
+        <p:blipFill>
+          <a:blip r:embed="rId2">
+            <a:extLst/>
+          </a:blip>
+          <a:stretch>
+            <a:fillRect/>
+          </a:stretch>
+        </p:blipFill>
         <p:spPr>
+          <a:xfrm>
+            <a:off x="176043" y="4593248"/>
+            <a:ext cx="12652714" cy="4501775"/>
+          </a:xfrm>
           <a:prstGeom prst="rect">
             <a:avLst/>
           </a:prstGeom>
+          <a:ln w="12700">
+            <a:miter lim="400000"/>
+          </a:ln>
         </p:spPr>
-        <p:txBody>
-          <a:bodyPr/>
-          <a:lstStyle/>
-          <a:p>
-            <a:pPr lvl="0"/>
-          </a:p>
-        </p:txBody>
-      </p:sp>
+      </p:pic>
     </p:spTree>
   </p:cSld>
   <p:clrMapOvr>
@@ -2889,6 +2931,10 @@
           </p:nvPr>
         </p:nvSpPr>
         <p:spPr>
+          <a:xfrm>
+            <a:off x="952500" y="2984500"/>
+            <a:ext cx="11099800" cy="6286500"/>
+          </a:xfrm>
           <a:prstGeom prst="rect">
             <a:avLst/>
           </a:prstGeom>
@@ -3151,28 +3197,6 @@
         <p:txBody>
           <a:bodyPr/>
           <a:lstStyle/>
-          <a:p>
-            <a:pPr lvl="0">
-              <a:defRPr sz="1800">
-                <a:solidFill>
-                  <a:srgbClr val="000000"/>
-                </a:solidFill>
-              </a:defRPr>
-            </a:pPr>
-            <a:r>
-              <a:rPr sz="3800">
-                <a:solidFill>
-                  <a:srgbClr val="FFFFFF"/>
-                </a:solidFill>
-              </a:rPr>
-              <a:t>Authentifizierung?</a:t>
-            </a:r>
-            <a:endParaRPr sz="3800">
-              <a:solidFill>
-                <a:srgbClr val="FFFFFF"/>
-              </a:solidFill>
-            </a:endParaRPr>
-          </a:p>
           <a:p>
             <a:pPr lvl="0">
               <a:defRPr sz="1800">
